--- a/GISオープン教材/インターネットの活用/GitHubビギナーズマニュアル/GitHubビギナーズマニュアル.pptx
+++ b/GISオープン教材/インターネットの活用/GitHubビギナーズマニュアル/GitHubビギナーズマニュアル.pptx
@@ -5463,7 +5463,7 @@
           <a:blip r:embed="rId2" cstate="screen">
             <a:extLst>
               <a:ext uri="{28A0092B-C50C-407E-A947-70E740481C1C}">
-                <a14:useLocalDpi xmlns:a14="http://schemas.microsoft.com/office/drawing/2010/main"/>
+                <a14:useLocalDpi xmlns:a14="http://schemas.microsoft.com/office/drawing/2010/main" val="0"/>
               </a:ext>
             </a:extLst>
           </a:blip>
@@ -5632,7 +5632,7 @@
           <a:blip r:embed="rId2" cstate="screen">
             <a:extLst>
               <a:ext uri="{28A0092B-C50C-407E-A947-70E740481C1C}">
-                <a14:useLocalDpi xmlns:a14="http://schemas.microsoft.com/office/drawing/2010/main"/>
+                <a14:useLocalDpi xmlns:a14="http://schemas.microsoft.com/office/drawing/2010/main" val="0"/>
               </a:ext>
             </a:extLst>
           </a:blip>
@@ -5872,7 +5872,7 @@
           <a:blip r:embed="rId3" cstate="screen">
             <a:extLst>
               <a:ext uri="{28A0092B-C50C-407E-A947-70E740481C1C}">
-                <a14:useLocalDpi xmlns:a14="http://schemas.microsoft.com/office/drawing/2010/main"/>
+                <a14:useLocalDpi xmlns:a14="http://schemas.microsoft.com/office/drawing/2010/main" val="0"/>
               </a:ext>
             </a:extLst>
           </a:blip>
@@ -6154,8 +6154,14 @@
           <p:nvPr/>
         </p:nvPicPr>
         <p:blipFill rotWithShape="1">
-          <a:blip r:embed="rId2"/>
-          <a:srcRect r="28603" b="33167"/>
+          <a:blip r:embed="rId2" cstate="print">
+            <a:extLst>
+              <a:ext uri="{28A0092B-C50C-407E-A947-70E740481C1C}">
+                <a14:useLocalDpi xmlns:a14="http://schemas.microsoft.com/office/drawing/2010/main" val="0"/>
+              </a:ext>
+            </a:extLst>
+          </a:blip>
+          <a:srcRect/>
           <a:stretch/>
         </p:blipFill>
         <p:spPr>
@@ -6223,8 +6229,14 @@
           <p:nvPr/>
         </p:nvPicPr>
         <p:blipFill rotWithShape="1">
-          <a:blip r:embed="rId3"/>
-          <a:srcRect l="28900" t="14166" r="26386" b="51132"/>
+          <a:blip r:embed="rId3" cstate="print">
+            <a:extLst>
+              <a:ext uri="{28A0092B-C50C-407E-A947-70E740481C1C}">
+                <a14:useLocalDpi xmlns:a14="http://schemas.microsoft.com/office/drawing/2010/main" val="0"/>
+              </a:ext>
+            </a:extLst>
+          </a:blip>
+          <a:srcRect/>
           <a:stretch/>
         </p:blipFill>
         <p:spPr>
@@ -6458,8 +6470,14 @@
           <p:nvPr/>
         </p:nvPicPr>
         <p:blipFill rotWithShape="1">
-          <a:blip r:embed="rId2"/>
-          <a:srcRect l="8099" t="9421" r="8099" b="9421"/>
+          <a:blip r:embed="rId2" cstate="print">
+            <a:extLst>
+              <a:ext uri="{28A0092B-C50C-407E-A947-70E740481C1C}">
+                <a14:useLocalDpi xmlns:a14="http://schemas.microsoft.com/office/drawing/2010/main" val="0"/>
+              </a:ext>
+            </a:extLst>
+          </a:blip>
+          <a:srcRect/>
           <a:stretch/>
         </p:blipFill>
         <p:spPr>
@@ -6734,7 +6752,13 @@
           <p:nvPr/>
         </p:nvPicPr>
         <p:blipFill>
-          <a:blip r:embed="rId2"/>
+          <a:blip r:embed="rId2">
+            <a:extLst>
+              <a:ext uri="{28A0092B-C50C-407E-A947-70E740481C1C}">
+                <a14:useLocalDpi xmlns:a14="http://schemas.microsoft.com/office/drawing/2010/main" val="0"/>
+              </a:ext>
+            </a:extLst>
+          </a:blip>
           <a:stretch>
             <a:fillRect/>
           </a:stretch>
@@ -6761,7 +6785,7 @@
           <a:blip r:embed="rId3" cstate="screen">
             <a:extLst>
               <a:ext uri="{28A0092B-C50C-407E-A947-70E740481C1C}">
-                <a14:useLocalDpi xmlns:a14="http://schemas.microsoft.com/office/drawing/2010/main"/>
+                <a14:useLocalDpi xmlns:a14="http://schemas.microsoft.com/office/drawing/2010/main" val="0"/>
               </a:ext>
             </a:extLst>
           </a:blip>
@@ -6908,7 +6932,13 @@
           <p:nvPr/>
         </p:nvPicPr>
         <p:blipFill>
-          <a:blip r:embed="rId2"/>
+          <a:blip r:embed="rId2">
+            <a:extLst>
+              <a:ext uri="{28A0092B-C50C-407E-A947-70E740481C1C}">
+                <a14:useLocalDpi xmlns:a14="http://schemas.microsoft.com/office/drawing/2010/main" val="0"/>
+              </a:ext>
+            </a:extLst>
+          </a:blip>
           <a:stretch>
             <a:fillRect/>
           </a:stretch>
@@ -7542,7 +7572,7 @@
           <a:blip r:embed="rId3" cstate="screen">
             <a:extLst>
               <a:ext uri="{28A0092B-C50C-407E-A947-70E740481C1C}">
-                <a14:useLocalDpi xmlns:a14="http://schemas.microsoft.com/office/drawing/2010/main"/>
+                <a14:useLocalDpi xmlns:a14="http://schemas.microsoft.com/office/drawing/2010/main" val="0"/>
               </a:ext>
             </a:extLst>
           </a:blip>
@@ -7601,10 +7631,10 @@
           <p:nvPr/>
         </p:nvPicPr>
         <p:blipFill>
-          <a:blip r:embed="rId4" cstate="screen">
+          <a:blip r:embed="rId4" cstate="print">
             <a:extLst>
               <a:ext uri="{28A0092B-C50C-407E-A947-70E740481C1C}">
-                <a14:useLocalDpi xmlns:a14="http://schemas.microsoft.com/office/drawing/2010/main"/>
+                <a14:useLocalDpi xmlns:a14="http://schemas.microsoft.com/office/drawing/2010/main" val="0"/>
               </a:ext>
             </a:extLst>
           </a:blip>
@@ -7799,7 +7829,13 @@
           <p:nvPr/>
         </p:nvPicPr>
         <p:blipFill>
-          <a:blip r:embed="rId2"/>
+          <a:blip r:embed="rId2">
+            <a:extLst>
+              <a:ext uri="{28A0092B-C50C-407E-A947-70E740481C1C}">
+                <a14:useLocalDpi xmlns:a14="http://schemas.microsoft.com/office/drawing/2010/main" val="0"/>
+              </a:ext>
+            </a:extLst>
+          </a:blip>
           <a:stretch>
             <a:fillRect/>
           </a:stretch>
@@ -8167,11 +8203,7 @@
             </a:r>
             <a:r>
               <a:rPr lang="ja-JP" altLang="en-US" sz="1600" b="1" dirty="0" smtClean="0"/>
-              <a:t>のリポジトリにローカルの編集内容が</a:t>
-            </a:r>
-            <a:r>
-              <a:rPr lang="ja-JP" altLang="en-US" sz="1600" b="1" dirty="0" smtClean="0"/>
-              <a:t>反映さ</a:t>
+              <a:t>のリポジトリにローカルの編集内容が反映さ</a:t>
             </a:r>
             <a:r>
               <a:rPr lang="ja-JP" altLang="en-US" sz="1600" b="1" dirty="0"/>
@@ -8179,11 +8211,7 @@
             </a:r>
             <a:r>
               <a:rPr lang="ja-JP" altLang="en-US" sz="1600" b="1" dirty="0" smtClean="0"/>
-              <a:t>る</a:t>
-            </a:r>
-            <a:r>
-              <a:rPr lang="ja-JP" altLang="en-US" sz="1600" b="1" dirty="0" smtClean="0"/>
-              <a:t>）</a:t>
+              <a:t>る）</a:t>
             </a:r>
             <a:endParaRPr lang="ja-JP" altLang="en-US" sz="1600" b="1" dirty="0"/>
           </a:p>
@@ -8198,7 +8226,13 @@
           <p:nvPr/>
         </p:nvPicPr>
         <p:blipFill>
-          <a:blip r:embed="rId2"/>
+          <a:blip r:embed="rId2">
+            <a:extLst>
+              <a:ext uri="{28A0092B-C50C-407E-A947-70E740481C1C}">
+                <a14:useLocalDpi xmlns:a14="http://schemas.microsoft.com/office/drawing/2010/main" val="0"/>
+              </a:ext>
+            </a:extLst>
+          </a:blip>
           <a:stretch>
             <a:fillRect/>
           </a:stretch>
@@ -8255,7 +8289,7 @@
           <a:blip r:embed="rId2" cstate="screen">
             <a:extLst>
               <a:ext uri="{28A0092B-C50C-407E-A947-70E740481C1C}">
-                <a14:useLocalDpi xmlns:a14="http://schemas.microsoft.com/office/drawing/2010/main"/>
+                <a14:useLocalDpi xmlns:a14="http://schemas.microsoft.com/office/drawing/2010/main" val="0"/>
               </a:ext>
             </a:extLst>
           </a:blip>
@@ -8285,7 +8319,7 @@
           <a:blip r:embed="rId3" cstate="screen">
             <a:extLst>
               <a:ext uri="{28A0092B-C50C-407E-A947-70E740481C1C}">
-                <a14:useLocalDpi xmlns:a14="http://schemas.microsoft.com/office/drawing/2010/main"/>
+                <a14:useLocalDpi xmlns:a14="http://schemas.microsoft.com/office/drawing/2010/main" val="0"/>
               </a:ext>
             </a:extLst>
           </a:blip>
@@ -8851,7 +8885,7 @@
           <a:blip r:embed="rId2" cstate="screen">
             <a:extLst>
               <a:ext uri="{28A0092B-C50C-407E-A947-70E740481C1C}">
-                <a14:useLocalDpi xmlns:a14="http://schemas.microsoft.com/office/drawing/2010/main"/>
+                <a14:useLocalDpi xmlns:a14="http://schemas.microsoft.com/office/drawing/2010/main" val="0"/>
               </a:ext>
             </a:extLst>
           </a:blip>
@@ -8881,7 +8915,7 @@
           <a:blip r:embed="rId3" cstate="screen">
             <a:extLst>
               <a:ext uri="{28A0092B-C50C-407E-A947-70E740481C1C}">
-                <a14:useLocalDpi xmlns:a14="http://schemas.microsoft.com/office/drawing/2010/main"/>
+                <a14:useLocalDpi xmlns:a14="http://schemas.microsoft.com/office/drawing/2010/main" val="0"/>
               </a:ext>
             </a:extLst>
           </a:blip>
@@ -9120,7 +9154,7 @@
           <a:blip r:embed="rId2" cstate="screen">
             <a:extLst>
               <a:ext uri="{28A0092B-C50C-407E-A947-70E740481C1C}">
-                <a14:useLocalDpi xmlns:a14="http://schemas.microsoft.com/office/drawing/2010/main"/>
+                <a14:useLocalDpi xmlns:a14="http://schemas.microsoft.com/office/drawing/2010/main" val="0"/>
               </a:ext>
             </a:extLst>
           </a:blip>
@@ -10336,7 +10370,7 @@
           <a:blip r:embed="rId2" cstate="screen">
             <a:extLst>
               <a:ext uri="{28A0092B-C50C-407E-A947-70E740481C1C}">
-                <a14:useLocalDpi xmlns:a14="http://schemas.microsoft.com/office/drawing/2010/main"/>
+                <a14:useLocalDpi xmlns:a14="http://schemas.microsoft.com/office/drawing/2010/main" val="0"/>
               </a:ext>
             </a:extLst>
           </a:blip>
@@ -10366,7 +10400,7 @@
           <a:blip r:embed="rId3" cstate="screen">
             <a:extLst>
               <a:ext uri="{28A0092B-C50C-407E-A947-70E740481C1C}">
-                <a14:useLocalDpi xmlns:a14="http://schemas.microsoft.com/office/drawing/2010/main"/>
+                <a14:useLocalDpi xmlns:a14="http://schemas.microsoft.com/office/drawing/2010/main" val="0"/>
               </a:ext>
             </a:extLst>
           </a:blip>
@@ -10426,7 +10460,7 @@
           <a:blip r:embed="rId2" cstate="screen">
             <a:extLst>
               <a:ext uri="{28A0092B-C50C-407E-A947-70E740481C1C}">
-                <a14:useLocalDpi xmlns:a14="http://schemas.microsoft.com/office/drawing/2010/main"/>
+                <a14:useLocalDpi xmlns:a14="http://schemas.microsoft.com/office/drawing/2010/main" val="0"/>
               </a:ext>
             </a:extLst>
           </a:blip>
@@ -10501,7 +10535,7 @@
           <a:blip r:embed="rId3" cstate="screen">
             <a:extLst>
               <a:ext uri="{28A0092B-C50C-407E-A947-70E740481C1C}">
-                <a14:useLocalDpi xmlns:a14="http://schemas.microsoft.com/office/drawing/2010/main"/>
+                <a14:useLocalDpi xmlns:a14="http://schemas.microsoft.com/office/drawing/2010/main" val="0"/>
               </a:ext>
             </a:extLst>
           </a:blip>
@@ -10704,7 +10738,7 @@
           <a:blip r:embed="rId2" cstate="screen">
             <a:extLst>
               <a:ext uri="{28A0092B-C50C-407E-A947-70E740481C1C}">
-                <a14:useLocalDpi xmlns:a14="http://schemas.microsoft.com/office/drawing/2010/main"/>
+                <a14:useLocalDpi xmlns:a14="http://schemas.microsoft.com/office/drawing/2010/main" val="0"/>
               </a:ext>
             </a:extLst>
           </a:blip>
@@ -10785,7 +10819,7 @@
           <a:blip r:embed="rId3" cstate="screen">
             <a:extLst>
               <a:ext uri="{28A0092B-C50C-407E-A947-70E740481C1C}">
-                <a14:useLocalDpi xmlns:a14="http://schemas.microsoft.com/office/drawing/2010/main"/>
+                <a14:useLocalDpi xmlns:a14="http://schemas.microsoft.com/office/drawing/2010/main" val="0"/>
               </a:ext>
             </a:extLst>
           </a:blip>
@@ -11014,7 +11048,7 @@
           <a:blip r:embed="rId2" cstate="screen">
             <a:extLst>
               <a:ext uri="{28A0092B-C50C-407E-A947-70E740481C1C}">
-                <a14:useLocalDpi xmlns:a14="http://schemas.microsoft.com/office/drawing/2010/main"/>
+                <a14:useLocalDpi xmlns:a14="http://schemas.microsoft.com/office/drawing/2010/main" val="0"/>
               </a:ext>
             </a:extLst>
           </a:blip>
@@ -11044,7 +11078,7 @@
           <a:blip r:embed="rId3" cstate="screen">
             <a:extLst>
               <a:ext uri="{28A0092B-C50C-407E-A947-70E740481C1C}">
-                <a14:useLocalDpi xmlns:a14="http://schemas.microsoft.com/office/drawing/2010/main"/>
+                <a14:useLocalDpi xmlns:a14="http://schemas.microsoft.com/office/drawing/2010/main" val="0"/>
               </a:ext>
             </a:extLst>
           </a:blip>
@@ -11276,7 +11310,7 @@
           <a:blip r:embed="rId2" cstate="screen">
             <a:extLst>
               <a:ext uri="{28A0092B-C50C-407E-A947-70E740481C1C}">
-                <a14:useLocalDpi xmlns:a14="http://schemas.microsoft.com/office/drawing/2010/main"/>
+                <a14:useLocalDpi xmlns:a14="http://schemas.microsoft.com/office/drawing/2010/main" val="0"/>
               </a:ext>
             </a:extLst>
           </a:blip>
@@ -11306,7 +11340,7 @@
           <a:blip r:embed="rId3" cstate="screen">
             <a:extLst>
               <a:ext uri="{28A0092B-C50C-407E-A947-70E740481C1C}">
-                <a14:useLocalDpi xmlns:a14="http://schemas.microsoft.com/office/drawing/2010/main"/>
+                <a14:useLocalDpi xmlns:a14="http://schemas.microsoft.com/office/drawing/2010/main" val="0"/>
               </a:ext>
             </a:extLst>
           </a:blip>
@@ -12432,7 +12466,7 @@
           <a:blip r:embed="rId2" cstate="screen">
             <a:extLst>
               <a:ext uri="{28A0092B-C50C-407E-A947-70E740481C1C}">
-                <a14:useLocalDpi xmlns:a14="http://schemas.microsoft.com/office/drawing/2010/main"/>
+                <a14:useLocalDpi xmlns:a14="http://schemas.microsoft.com/office/drawing/2010/main" val="0"/>
               </a:ext>
             </a:extLst>
           </a:blip>
@@ -12462,7 +12496,7 @@
           <a:blip r:embed="rId3" cstate="screen">
             <a:extLst>
               <a:ext uri="{28A0092B-C50C-407E-A947-70E740481C1C}">
-                <a14:useLocalDpi xmlns:a14="http://schemas.microsoft.com/office/drawing/2010/main"/>
+                <a14:useLocalDpi xmlns:a14="http://schemas.microsoft.com/office/drawing/2010/main" val="0"/>
               </a:ext>
             </a:extLst>
           </a:blip>
@@ -13170,7 +13204,7 @@
           <a:blip r:embed="rId2" cstate="screen">
             <a:extLst>
               <a:ext uri="{28A0092B-C50C-407E-A947-70E740481C1C}">
-                <a14:useLocalDpi xmlns:a14="http://schemas.microsoft.com/office/drawing/2010/main"/>
+                <a14:useLocalDpi xmlns:a14="http://schemas.microsoft.com/office/drawing/2010/main" val="0"/>
               </a:ext>
             </a:extLst>
           </a:blip>
@@ -13200,7 +13234,7 @@
           <a:blip r:embed="rId3" cstate="screen">
             <a:extLst>
               <a:ext uri="{28A0092B-C50C-407E-A947-70E740481C1C}">
-                <a14:useLocalDpi xmlns:a14="http://schemas.microsoft.com/office/drawing/2010/main"/>
+                <a14:useLocalDpi xmlns:a14="http://schemas.microsoft.com/office/drawing/2010/main" val="0"/>
               </a:ext>
             </a:extLst>
           </a:blip>
@@ -13402,7 +13436,13 @@
           <p:nvPr/>
         </p:nvPicPr>
         <p:blipFill>
-          <a:blip r:embed="rId2"/>
+          <a:blip r:embed="rId2">
+            <a:extLst>
+              <a:ext uri="{28A0092B-C50C-407E-A947-70E740481C1C}">
+                <a14:useLocalDpi xmlns:a14="http://schemas.microsoft.com/office/drawing/2010/main" val="0"/>
+              </a:ext>
+            </a:extLst>
+          </a:blip>
           <a:stretch>
             <a:fillRect/>
           </a:stretch>
@@ -13506,11 +13546,7 @@
             </a:r>
             <a:r>
               <a:rPr lang="ja-JP" altLang="en-US" sz="1600" b="1" dirty="0" smtClean="0"/>
-              <a:t>にアクセスしてアカウントを</a:t>
-            </a:r>
-            <a:r>
-              <a:rPr lang="ja-JP" altLang="en-US" sz="1600" b="1" dirty="0" smtClean="0"/>
-              <a:t>作成する。</a:t>
+              <a:t>にアクセスしてアカウントを作成する。</a:t>
             </a:r>
             <a:endParaRPr lang="en-US" altLang="ja-JP" sz="1600" b="1" dirty="0" smtClean="0"/>
           </a:p>
@@ -13619,7 +13655,7 @@
           <a:blip r:embed="rId2" cstate="screen">
             <a:extLst>
               <a:ext uri="{28A0092B-C50C-407E-A947-70E740481C1C}">
-                <a14:useLocalDpi xmlns:a14="http://schemas.microsoft.com/office/drawing/2010/main"/>
+                <a14:useLocalDpi xmlns:a14="http://schemas.microsoft.com/office/drawing/2010/main" val="0"/>
               </a:ext>
             </a:extLst>
           </a:blip>
@@ -13774,7 +13810,7 @@
           <a:blip r:embed="rId2" cstate="screen">
             <a:extLst>
               <a:ext uri="{28A0092B-C50C-407E-A947-70E740481C1C}">
-                <a14:useLocalDpi xmlns:a14="http://schemas.microsoft.com/office/drawing/2010/main"/>
+                <a14:useLocalDpi xmlns:a14="http://schemas.microsoft.com/office/drawing/2010/main" val="0"/>
               </a:ext>
             </a:extLst>
           </a:blip>
@@ -13918,7 +13954,13 @@
           <p:nvPr/>
         </p:nvPicPr>
         <p:blipFill>
-          <a:blip r:embed="rId2"/>
+          <a:blip r:embed="rId2" cstate="print">
+            <a:extLst>
+              <a:ext uri="{28A0092B-C50C-407E-A947-70E740481C1C}">
+                <a14:useLocalDpi xmlns:a14="http://schemas.microsoft.com/office/drawing/2010/main" val="0"/>
+              </a:ext>
+            </a:extLst>
+          </a:blip>
           <a:stretch>
             <a:fillRect/>
           </a:stretch>
@@ -14152,7 +14194,13 @@
           <p:nvPr/>
         </p:nvPicPr>
         <p:blipFill>
-          <a:blip r:embed="rId2"/>
+          <a:blip r:embed="rId2">
+            <a:extLst>
+              <a:ext uri="{28A0092B-C50C-407E-A947-70E740481C1C}">
+                <a14:useLocalDpi xmlns:a14="http://schemas.microsoft.com/office/drawing/2010/main" val="0"/>
+              </a:ext>
+            </a:extLst>
+          </a:blip>
           <a:stretch>
             <a:fillRect/>
           </a:stretch>
